--- a/Manuscript/Figures/PointFR_2019_2020.pptx
+++ b/Manuscript/Figures/PointFR_2019_2020.pptx
@@ -112,16 +112,72 @@
 </p:presentation>
 </file>
 
-<file path=ppt/revisionInfo.xml><?xml version="1.0" encoding="utf-8"?>
-<p1510:revInfo xmlns:a="http://schemas.openxmlformats.org/drawingml/2006/main" xmlns:r="http://schemas.openxmlformats.org/officeDocument/2006/relationships" xmlns:p1510="http://schemas.microsoft.com/office/powerpoint/2015/10/main">
-  <p1510:revLst>
-    <p1510:client id="{4813F61A-5605-4E27-81CD-D9DF12AF5641}" v="38" dt="2021-12-30T16:48:06.383"/>
-  </p1510:revLst>
-</p1510:revInfo>
-</file>
-
 <file path=ppt/changesInfos/changesInfo1.xml><?xml version="1.0" encoding="utf-8"?>
 <pc:chgInfo xmlns:a="http://schemas.openxmlformats.org/drawingml/2006/main" xmlns:r="http://schemas.openxmlformats.org/officeDocument/2006/relationships" xmlns:ac="http://schemas.microsoft.com/office/drawing/2013/main/command" xmlns:pc="http://schemas.microsoft.com/office/powerpoint/2013/main/command">
+  <pc:docChgLst>
+    <pc:chgData name="Fatima Pillosu" userId="a6295d4dc9e22643" providerId="LiveId" clId="{16502C53-3F73-4F51-97A2-1C1F67D6C938}"/>
+    <pc:docChg chg="modSld">
+      <pc:chgData name="Fatima Pillosu" userId="a6295d4dc9e22643" providerId="LiveId" clId="{16502C53-3F73-4F51-97A2-1C1F67D6C938}" dt="2022-06-07T10:48:48.777" v="3" actId="1582"/>
+      <pc:docMkLst>
+        <pc:docMk/>
+      </pc:docMkLst>
+      <pc:sldChg chg="modSp mod">
+        <pc:chgData name="Fatima Pillosu" userId="a6295d4dc9e22643" providerId="LiveId" clId="{16502C53-3F73-4F51-97A2-1C1F67D6C938}" dt="2022-06-07T10:48:48.777" v="3" actId="1582"/>
+        <pc:sldMkLst>
+          <pc:docMk/>
+          <pc:sldMk cId="757844797" sldId="257"/>
+        </pc:sldMkLst>
+        <pc:spChg chg="mod">
+          <ac:chgData name="Fatima Pillosu" userId="a6295d4dc9e22643" providerId="LiveId" clId="{16502C53-3F73-4F51-97A2-1C1F67D6C938}" dt="2022-06-07T10:48:48.777" v="3" actId="1582"/>
+          <ac:spMkLst>
+            <pc:docMk/>
+            <pc:sldMk cId="757844797" sldId="257"/>
+            <ac:spMk id="166" creationId="{3C9C1F12-CD2B-44AF-9504-57EA3578E99F}"/>
+          </ac:spMkLst>
+        </pc:spChg>
+        <pc:spChg chg="mod">
+          <ac:chgData name="Fatima Pillosu" userId="a6295d4dc9e22643" providerId="LiveId" clId="{16502C53-3F73-4F51-97A2-1C1F67D6C938}" dt="2022-06-07T10:48:48.777" v="3" actId="1582"/>
+          <ac:spMkLst>
+            <pc:docMk/>
+            <pc:sldMk cId="757844797" sldId="257"/>
+            <ac:spMk id="186" creationId="{721ED60A-8A7C-460A-AFCD-E42F5BF8429A}"/>
+          </ac:spMkLst>
+        </pc:spChg>
+        <pc:spChg chg="mod">
+          <ac:chgData name="Fatima Pillosu" userId="a6295d4dc9e22643" providerId="LiveId" clId="{16502C53-3F73-4F51-97A2-1C1F67D6C938}" dt="2022-06-07T10:48:48.777" v="3" actId="1582"/>
+          <ac:spMkLst>
+            <pc:docMk/>
+            <pc:sldMk cId="757844797" sldId="257"/>
+            <ac:spMk id="196" creationId="{5F310C47-D330-410B-A9E0-4C4CC5F5E0FA}"/>
+          </ac:spMkLst>
+        </pc:spChg>
+        <pc:spChg chg="mod">
+          <ac:chgData name="Fatima Pillosu" userId="a6295d4dc9e22643" providerId="LiveId" clId="{16502C53-3F73-4F51-97A2-1C1F67D6C938}" dt="2022-06-07T10:48:48.777" v="3" actId="1582"/>
+          <ac:spMkLst>
+            <pc:docMk/>
+            <pc:sldMk cId="757844797" sldId="257"/>
+            <ac:spMk id="205" creationId="{09F8D598-A76F-4C16-90FB-A58A5245D91E}"/>
+          </ac:spMkLst>
+        </pc:spChg>
+        <pc:spChg chg="mod">
+          <ac:chgData name="Fatima Pillosu" userId="a6295d4dc9e22643" providerId="LiveId" clId="{16502C53-3F73-4F51-97A2-1C1F67D6C938}" dt="2022-06-07T10:48:48.777" v="3" actId="1582"/>
+          <ac:spMkLst>
+            <pc:docMk/>
+            <pc:sldMk cId="757844797" sldId="257"/>
+            <ac:spMk id="214" creationId="{42D83B6A-B763-4E6A-B367-82D10832C53C}"/>
+          </ac:spMkLst>
+        </pc:spChg>
+        <pc:spChg chg="mod">
+          <ac:chgData name="Fatima Pillosu" userId="a6295d4dc9e22643" providerId="LiveId" clId="{16502C53-3F73-4F51-97A2-1C1F67D6C938}" dt="2022-06-07T10:48:48.777" v="3" actId="1582"/>
+          <ac:spMkLst>
+            <pc:docMk/>
+            <pc:sldMk cId="757844797" sldId="257"/>
+            <ac:spMk id="223" creationId="{C21F9788-CC2D-4667-8450-E33F2C41E544}"/>
+          </ac:spMkLst>
+        </pc:spChg>
+      </pc:sldChg>
+    </pc:docChg>
+  </pc:docChgLst>
   <pc:docChgLst>
     <pc:chgData name="Fatima Pillosu" userId="a6295d4dc9e22643" providerId="LiveId" clId="{4813F61A-5605-4E27-81CD-D9DF12AF5641}"/>
     <pc:docChg chg="undo custSel addSld delSld modSld">
@@ -2295,7 +2351,7 @@
           <a:p>
             <a:fld id="{2294E16E-31E1-4807-9BDB-78BF3541B072}" type="datetimeFigureOut">
               <a:rPr lang="en-GB" smtClean="0"/>
-              <a:t>30/12/2021</a:t>
+              <a:t>07/06/2022</a:t>
             </a:fld>
             <a:endParaRPr lang="en-GB"/>
           </a:p>
@@ -2465,7 +2521,7 @@
           <a:p>
             <a:fld id="{2294E16E-31E1-4807-9BDB-78BF3541B072}" type="datetimeFigureOut">
               <a:rPr lang="en-GB" smtClean="0"/>
-              <a:t>30/12/2021</a:t>
+              <a:t>07/06/2022</a:t>
             </a:fld>
             <a:endParaRPr lang="en-GB"/>
           </a:p>
@@ -2645,7 +2701,7 @@
           <a:p>
             <a:fld id="{2294E16E-31E1-4807-9BDB-78BF3541B072}" type="datetimeFigureOut">
               <a:rPr lang="en-GB" smtClean="0"/>
-              <a:t>30/12/2021</a:t>
+              <a:t>07/06/2022</a:t>
             </a:fld>
             <a:endParaRPr lang="en-GB"/>
           </a:p>
@@ -2815,7 +2871,7 @@
           <a:p>
             <a:fld id="{2294E16E-31E1-4807-9BDB-78BF3541B072}" type="datetimeFigureOut">
               <a:rPr lang="en-GB" smtClean="0"/>
-              <a:t>30/12/2021</a:t>
+              <a:t>07/06/2022</a:t>
             </a:fld>
             <a:endParaRPr lang="en-GB"/>
           </a:p>
@@ -3059,7 +3115,7 @@
           <a:p>
             <a:fld id="{2294E16E-31E1-4807-9BDB-78BF3541B072}" type="datetimeFigureOut">
               <a:rPr lang="en-GB" smtClean="0"/>
-              <a:t>30/12/2021</a:t>
+              <a:t>07/06/2022</a:t>
             </a:fld>
             <a:endParaRPr lang="en-GB"/>
           </a:p>
@@ -3291,7 +3347,7 @@
           <a:p>
             <a:fld id="{2294E16E-31E1-4807-9BDB-78BF3541B072}" type="datetimeFigureOut">
               <a:rPr lang="en-GB" smtClean="0"/>
-              <a:t>30/12/2021</a:t>
+              <a:t>07/06/2022</a:t>
             </a:fld>
             <a:endParaRPr lang="en-GB"/>
           </a:p>
@@ -3658,7 +3714,7 @@
           <a:p>
             <a:fld id="{2294E16E-31E1-4807-9BDB-78BF3541B072}" type="datetimeFigureOut">
               <a:rPr lang="en-GB" smtClean="0"/>
-              <a:t>30/12/2021</a:t>
+              <a:t>07/06/2022</a:t>
             </a:fld>
             <a:endParaRPr lang="en-GB"/>
           </a:p>
@@ -3776,7 +3832,7 @@
           <a:p>
             <a:fld id="{2294E16E-31E1-4807-9BDB-78BF3541B072}" type="datetimeFigureOut">
               <a:rPr lang="en-GB" smtClean="0"/>
-              <a:t>30/12/2021</a:t>
+              <a:t>07/06/2022</a:t>
             </a:fld>
             <a:endParaRPr lang="en-GB"/>
           </a:p>
@@ -3871,7 +3927,7 @@
           <a:p>
             <a:fld id="{2294E16E-31E1-4807-9BDB-78BF3541B072}" type="datetimeFigureOut">
               <a:rPr lang="en-GB" smtClean="0"/>
-              <a:t>30/12/2021</a:t>
+              <a:t>07/06/2022</a:t>
             </a:fld>
             <a:endParaRPr lang="en-GB"/>
           </a:p>
@@ -4148,7 +4204,7 @@
           <a:p>
             <a:fld id="{2294E16E-31E1-4807-9BDB-78BF3541B072}" type="datetimeFigureOut">
               <a:rPr lang="en-GB" smtClean="0"/>
-              <a:t>30/12/2021</a:t>
+              <a:t>07/06/2022</a:t>
             </a:fld>
             <a:endParaRPr lang="en-GB"/>
           </a:p>
@@ -4405,7 +4461,7 @@
           <a:p>
             <a:fld id="{2294E16E-31E1-4807-9BDB-78BF3541B072}" type="datetimeFigureOut">
               <a:rPr lang="en-GB" smtClean="0"/>
-              <a:t>30/12/2021</a:t>
+              <a:t>07/06/2022</a:t>
             </a:fld>
             <a:endParaRPr lang="en-GB"/>
           </a:p>
@@ -4618,7 +4674,7 @@
           <a:p>
             <a:fld id="{2294E16E-31E1-4807-9BDB-78BF3541B072}" type="datetimeFigureOut">
               <a:rPr lang="en-GB" smtClean="0"/>
-              <a:t>30/12/2021</a:t>
+              <a:t>07/06/2022</a:t>
             </a:fld>
             <a:endParaRPr lang="en-GB"/>
           </a:p>
@@ -5778,13 +5834,13 @@
         <p:spPr>
           <a:xfrm>
             <a:off x="2495131" y="2653352"/>
-            <a:ext cx="229660" cy="276999"/>
+            <a:ext cx="229660" cy="215444"/>
           </a:xfrm>
           <a:prstGeom prst="rect">
             <a:avLst/>
           </a:prstGeom>
           <a:noFill/>
-          <a:ln w="28575">
+          <a:ln w="9525">
             <a:solidFill>
               <a:schemeClr val="tx1"/>
             </a:solidFill>
@@ -5798,10 +5854,10 @@
           <a:p>
             <a:pPr algn="ctr"/>
             <a:r>
-              <a:rPr lang="es-ES" sz="1200" b="1" dirty="0"/>
+              <a:rPr lang="es-ES" sz="800" b="1" dirty="0"/>
               <a:t>a</a:t>
             </a:r>
-            <a:endParaRPr lang="en-GB" sz="1200" b="1" dirty="0"/>
+            <a:endParaRPr lang="en-GB" sz="800" b="1" dirty="0"/>
           </a:p>
         </p:txBody>
       </p:sp>
@@ -6560,13 +6616,13 @@
         <p:spPr>
           <a:xfrm>
             <a:off x="2495131" y="5466339"/>
-            <a:ext cx="229660" cy="276999"/>
+            <a:ext cx="229660" cy="215444"/>
           </a:xfrm>
           <a:prstGeom prst="rect">
             <a:avLst/>
           </a:prstGeom>
           <a:noFill/>
-          <a:ln w="28575">
+          <a:ln w="9525">
             <a:solidFill>
               <a:schemeClr val="tx1"/>
             </a:solidFill>
@@ -6580,10 +6636,10 @@
           <a:p>
             <a:pPr algn="ctr"/>
             <a:r>
-              <a:rPr lang="es-ES" sz="1200" b="1" dirty="0"/>
+              <a:rPr lang="es-ES" sz="800" b="1" dirty="0"/>
               <a:t>b</a:t>
             </a:r>
-            <a:endParaRPr lang="en-GB" sz="1200" b="1" dirty="0"/>
+            <a:endParaRPr lang="en-GB" sz="800" b="1" dirty="0"/>
           </a:p>
         </p:txBody>
       </p:sp>
@@ -6973,13 +7029,13 @@
         <p:spPr>
           <a:xfrm>
             <a:off x="2495131" y="8256419"/>
-            <a:ext cx="229660" cy="276999"/>
+            <a:ext cx="229660" cy="215444"/>
           </a:xfrm>
           <a:prstGeom prst="rect">
             <a:avLst/>
           </a:prstGeom>
           <a:noFill/>
-          <a:ln w="28575">
+          <a:ln w="9525">
             <a:solidFill>
               <a:schemeClr val="tx1"/>
             </a:solidFill>
@@ -6993,10 +7049,10 @@
           <a:p>
             <a:pPr algn="ctr"/>
             <a:r>
-              <a:rPr lang="es-ES" sz="1200" b="1" dirty="0"/>
+              <a:rPr lang="es-ES" sz="800" b="1" dirty="0"/>
               <a:t>c</a:t>
             </a:r>
-            <a:endParaRPr lang="en-GB" sz="1200" b="1" dirty="0"/>
+            <a:endParaRPr lang="en-GB" sz="800" b="1" dirty="0"/>
           </a:p>
         </p:txBody>
       </p:sp>
@@ -7350,13 +7406,13 @@
         <p:spPr>
           <a:xfrm>
             <a:off x="5090362" y="2651174"/>
-            <a:ext cx="229660" cy="276999"/>
+            <a:ext cx="229660" cy="215444"/>
           </a:xfrm>
           <a:prstGeom prst="rect">
             <a:avLst/>
           </a:prstGeom>
           <a:noFill/>
-          <a:ln w="28575">
+          <a:ln w="9525">
             <a:solidFill>
               <a:schemeClr val="tx1"/>
             </a:solidFill>
@@ -7370,10 +7426,10 @@
           <a:p>
             <a:pPr algn="ctr"/>
             <a:r>
-              <a:rPr lang="es-ES" sz="1200" b="1" dirty="0"/>
+              <a:rPr lang="es-ES" sz="800" b="1" dirty="0"/>
               <a:t>d</a:t>
             </a:r>
-            <a:endParaRPr lang="en-GB" sz="1200" b="1" dirty="0"/>
+            <a:endParaRPr lang="en-GB" sz="800" b="1" dirty="0"/>
           </a:p>
         </p:txBody>
       </p:sp>
@@ -7727,13 +7783,13 @@
         <p:spPr>
           <a:xfrm>
             <a:off x="5090362" y="5466339"/>
-            <a:ext cx="229660" cy="276999"/>
+            <a:ext cx="229660" cy="215444"/>
           </a:xfrm>
           <a:prstGeom prst="rect">
             <a:avLst/>
           </a:prstGeom>
           <a:noFill/>
-          <a:ln w="28575">
+          <a:ln w="9525">
             <a:solidFill>
               <a:schemeClr val="tx1"/>
             </a:solidFill>
@@ -7747,10 +7803,10 @@
           <a:p>
             <a:pPr algn="ctr"/>
             <a:r>
-              <a:rPr lang="es-ES" sz="1200" b="1" dirty="0"/>
+              <a:rPr lang="es-ES" sz="800" b="1" dirty="0"/>
               <a:t>e</a:t>
             </a:r>
-            <a:endParaRPr lang="en-GB" sz="1200" b="1" dirty="0"/>
+            <a:endParaRPr lang="en-GB" sz="800" b="1" dirty="0"/>
           </a:p>
         </p:txBody>
       </p:sp>
@@ -8104,13 +8160,13 @@
         <p:spPr>
           <a:xfrm>
             <a:off x="5090362" y="8256419"/>
-            <a:ext cx="229660" cy="276999"/>
+            <a:ext cx="229660" cy="215444"/>
           </a:xfrm>
           <a:prstGeom prst="rect">
             <a:avLst/>
           </a:prstGeom>
           <a:noFill/>
-          <a:ln w="28575">
+          <a:ln w="9525">
             <a:solidFill>
               <a:schemeClr val="tx1"/>
             </a:solidFill>
@@ -8124,10 +8180,10 @@
           <a:p>
             <a:pPr algn="ctr"/>
             <a:r>
-              <a:rPr lang="es-ES" sz="1200" b="1" dirty="0"/>
+              <a:rPr lang="es-ES" sz="800" b="1" dirty="0"/>
               <a:t>f</a:t>
             </a:r>
-            <a:endParaRPr lang="en-GB" sz="1200" b="1" dirty="0"/>
+            <a:endParaRPr lang="en-GB" sz="800" b="1" dirty="0"/>
           </a:p>
         </p:txBody>
       </p:sp>
